--- a/Гамуйло_Презентация_Диплом.pptx
+++ b/Гамуйло_Презентация_Диплом.pptx
@@ -17,11 +17,11 @@
     <p:sldId id="1200" r:id="rId5"/>
     <p:sldId id="1201" r:id="rId6"/>
     <p:sldId id="1202" r:id="rId7"/>
-    <p:sldId id="1203" r:id="rId8"/>
-    <p:sldId id="1204" r:id="rId9"/>
-    <p:sldId id="1205" r:id="rId10"/>
-    <p:sldId id="1206" r:id="rId11"/>
-    <p:sldId id="1207" r:id="rId12"/>
+    <p:sldId id="1204" r:id="rId8"/>
+    <p:sldId id="1203" r:id="rId9"/>
+    <p:sldId id="1207" r:id="rId10"/>
+    <p:sldId id="1205" r:id="rId11"/>
+    <p:sldId id="1206" r:id="rId12"/>
     <p:sldId id="1208" r:id="rId13"/>
     <p:sldId id="1209" r:id="rId14"/>
   </p:sldIdLst>
@@ -130,11 +130,11 @@
             <p14:sldId id="1200"/>
             <p14:sldId id="1201"/>
             <p14:sldId id="1202"/>
+            <p14:sldId id="1204"/>
             <p14:sldId id="1203"/>
-            <p14:sldId id="1204"/>
+            <p14:sldId id="1207"/>
             <p14:sldId id="1205"/>
             <p14:sldId id="1206"/>
-            <p14:sldId id="1207"/>
             <p14:sldId id="1208"/>
             <p14:sldId id="1209"/>
           </p14:sldIdLst>
@@ -285,7 +285,7 @@
           <a:p>
             <a:fld id="{85FFCE6C-E7E6-4C35-A8B5-8F9784AA6873}" type="datetimeFigureOut">
               <a:rPr lang="en-US" smtClean="0"/>
-              <a:t>6/9/24</a:t>
+              <a:t>6/13/24</a:t>
             </a:fld>
             <a:endParaRPr lang="en-US"/>
           </a:p>
@@ -461,7 +461,7 @@
           </a:lstStyle>
           <a:p>
             <a:fld id="{CCD46D5B-6567-794D-8CBA-5CCA973D6774}" type="datetimeFigureOut">
-              <a:t>6/9/24</a:t>
+              <a:t>6/13/24</a:t>
             </a:fld>
             <a:endParaRPr lang="ru-RU"/>
           </a:p>
@@ -5540,8 +5540,8 @@
         </p:nvSpPr>
         <p:spPr>
           <a:xfrm>
-            <a:off x="2007769" y="487365"/>
-            <a:ext cx="8818037" cy="3600986"/>
+            <a:off x="2007769" y="751344"/>
+            <a:ext cx="8818037" cy="2677656"/>
           </a:xfrm>
           <a:prstGeom prst="rect">
             <a:avLst/>
@@ -5556,14 +5556,83 @@
           <a:p>
             <a:pPr algn="ctr"/>
             <a:r>
+              <a:rPr lang="ru-RU" sz="1600" dirty="0">
+                <a:solidFill>
+                  <a:schemeClr val="bg1"/>
+                </a:solidFill>
+                <a:latin typeface="+mj-lt"/>
+              </a:rPr>
+              <a:t>МИНИСТЕРСТВО НАУКИ И ВЫСШЕГО ОБРАЗОВАНИЯ РОССИЙСКОЙ ФЕДЕРАЦИИ</a:t>
+            </a:r>
+          </a:p>
+          <a:p>
+            <a:pPr algn="ctr"/>
+            <a:r>
+              <a:rPr lang="ru-RU" sz="1600" dirty="0">
+                <a:solidFill>
+                  <a:schemeClr val="bg1"/>
+                </a:solidFill>
+                <a:latin typeface="+mj-lt"/>
+              </a:rPr>
+              <a:t>Федеральное государственное образовательное учреждения высшего образования</a:t>
+            </a:r>
+          </a:p>
+          <a:p>
+            <a:pPr algn="ctr"/>
+            <a:r>
+              <a:rPr lang="en-US" sz="1600" dirty="0">
+                <a:solidFill>
+                  <a:schemeClr val="bg1"/>
+                </a:solidFill>
+                <a:latin typeface="+mj-lt"/>
+              </a:rPr>
+              <a:t>“</a:t>
+            </a:r>
+            <a:r>
+              <a:rPr lang="ru-RU" sz="1600" dirty="0">
+                <a:solidFill>
+                  <a:schemeClr val="bg1"/>
+                </a:solidFill>
+                <a:latin typeface="+mj-lt"/>
+              </a:rPr>
+              <a:t>Санкт-Петербургский государственный университет аэрокосмического приборостроения</a:t>
+            </a:r>
+            <a:r>
+              <a:rPr lang="en-US" sz="1600" dirty="0">
+                <a:solidFill>
+                  <a:schemeClr val="bg1"/>
+                </a:solidFill>
+                <a:latin typeface="+mj-lt"/>
+              </a:rPr>
+              <a:t>”</a:t>
+            </a:r>
+            <a:endParaRPr lang="ru-RU" sz="1600" dirty="0">
+              <a:solidFill>
+                <a:schemeClr val="bg1"/>
+              </a:solidFill>
+              <a:latin typeface="+mj-lt"/>
+            </a:endParaRPr>
+          </a:p>
+          <a:p>
+            <a:pPr algn="ctr"/>
+            <a:r>
               <a:rPr lang="ru-RU" dirty="0">
                 <a:solidFill>
                   <a:schemeClr val="bg1"/>
                 </a:solidFill>
                 <a:latin typeface="+mj-lt"/>
               </a:rPr>
-              <a:t>МИНИСТЕРСТВО НАУКИ И ВЫСШЕГО ОБРАЗОВАНИЯ РОССИЙСКОЙ ФЕДЕРАЦИИ</a:t>
-            </a:r>
+              <a:t>Факультет №12</a:t>
+            </a:r>
+          </a:p>
+          <a:p>
+            <a:pPr algn="ctr"/>
+            <a:endParaRPr lang="ru-RU" dirty="0">
+              <a:solidFill>
+                <a:schemeClr val="bg1"/>
+              </a:solidFill>
+              <a:latin typeface="+mj-lt"/>
+            </a:endParaRPr>
           </a:p>
           <a:p>
             <a:pPr algn="ctr"/>
@@ -5574,11 +5643,65 @@
                 </a:solidFill>
                 <a:latin typeface="+mj-lt"/>
               </a:rPr>
-              <a:t>Федеральное государственное образовательное учреждения высшего образования</a:t>
+              <a:t>ДИПЛОМНЫЙ ПРОЕКТ</a:t>
             </a:r>
           </a:p>
           <a:p>
             <a:pPr algn="ctr"/>
+            <a:r>
+              <a:rPr lang="ru-RU" sz="2400" b="1" dirty="0">
+                <a:solidFill>
+                  <a:schemeClr val="bg1"/>
+                </a:solidFill>
+                <a:latin typeface="+mj-lt"/>
+              </a:rPr>
+              <a:t>РАЗРАБОТКА МОБИЛЬНОГО ПРИЛОЖЕНИЯ </a:t>
+            </a:r>
+            <a:r>
+              <a:rPr lang="en-US" sz="2400" b="1" dirty="0">
+                <a:solidFill>
+                  <a:schemeClr val="bg1"/>
+                </a:solidFill>
+                <a:latin typeface="+mj-lt"/>
+              </a:rPr>
+              <a:t>”</a:t>
+            </a:r>
+            <a:r>
+              <a:rPr lang="ru-RU" sz="2400" b="1" dirty="0">
+                <a:solidFill>
+                  <a:schemeClr val="bg1"/>
+                </a:solidFill>
+                <a:latin typeface="+mj-lt"/>
+              </a:rPr>
+              <a:t>ПЛАНИРОВЩИК ЗАДАЧ</a:t>
+            </a:r>
+            <a:r>
+              <a:rPr lang="en-US" sz="2400" b="1" dirty="0">
+                <a:solidFill>
+                  <a:schemeClr val="bg1"/>
+                </a:solidFill>
+                <a:latin typeface="+mj-lt"/>
+              </a:rPr>
+              <a:t>”</a:t>
+            </a:r>
+            <a:endParaRPr lang="ru-RU" sz="2400" b="1" dirty="0">
+              <a:solidFill>
+                <a:schemeClr val="bg1"/>
+              </a:solidFill>
+              <a:latin typeface="+mj-lt"/>
+            </a:endParaRPr>
+          </a:p>
+          <a:p>
+            <a:pPr algn="ctr"/>
+            <a:r>
+              <a:rPr lang="ru-RU" dirty="0">
+                <a:solidFill>
+                  <a:schemeClr val="bg1"/>
+                </a:solidFill>
+                <a:latin typeface="+mj-lt"/>
+              </a:rPr>
+              <a:t>по специальности 09.02.07 </a:t>
+            </a:r>
             <a:r>
               <a:rPr lang="en-US" dirty="0">
                 <a:solidFill>
@@ -5595,129 +5718,6 @@
                 </a:solidFill>
                 <a:latin typeface="+mj-lt"/>
               </a:rPr>
-              <a:t>Санкт-Петербургский государственный университет аэрокосмического приборостроения</a:t>
-            </a:r>
-            <a:r>
-              <a:rPr lang="en-US" dirty="0">
-                <a:solidFill>
-                  <a:schemeClr val="bg1"/>
-                </a:solidFill>
-                <a:latin typeface="+mj-lt"/>
-              </a:rPr>
-              <a:t>”</a:t>
-            </a:r>
-            <a:endParaRPr lang="ru-RU" dirty="0">
-              <a:solidFill>
-                <a:schemeClr val="bg1"/>
-              </a:solidFill>
-              <a:latin typeface="+mj-lt"/>
-            </a:endParaRPr>
-          </a:p>
-          <a:p>
-            <a:pPr algn="ctr"/>
-            <a:r>
-              <a:rPr lang="ru-RU" dirty="0">
-                <a:solidFill>
-                  <a:schemeClr val="bg1"/>
-                </a:solidFill>
-                <a:latin typeface="+mj-lt"/>
-              </a:rPr>
-              <a:t>Факультет №12</a:t>
-            </a:r>
-          </a:p>
-          <a:p>
-            <a:pPr algn="ctr"/>
-            <a:endParaRPr lang="ru-RU" dirty="0">
-              <a:solidFill>
-                <a:schemeClr val="bg1"/>
-              </a:solidFill>
-              <a:latin typeface="+mj-lt"/>
-            </a:endParaRPr>
-          </a:p>
-          <a:p>
-            <a:pPr algn="ctr"/>
-            <a:r>
-              <a:rPr lang="ru-RU" dirty="0">
-                <a:solidFill>
-                  <a:schemeClr val="bg1"/>
-                </a:solidFill>
-                <a:latin typeface="+mj-lt"/>
-              </a:rPr>
-              <a:t>ДИПЛОМНЫЙ ПРОЕКТ</a:t>
-            </a:r>
-          </a:p>
-          <a:p>
-            <a:pPr algn="ctr"/>
-            <a:r>
-              <a:rPr lang="ru-RU" sz="2400" b="1" dirty="0">
-                <a:solidFill>
-                  <a:schemeClr val="bg1"/>
-                </a:solidFill>
-                <a:latin typeface="+mj-lt"/>
-              </a:rPr>
-              <a:t>РАЗРАБОТКА МОБИЛЬНОГО ПРИЛОЖЕНИЯ </a:t>
-            </a:r>
-            <a:r>
-              <a:rPr lang="en-US" sz="2400" b="1" dirty="0">
-                <a:solidFill>
-                  <a:schemeClr val="bg1"/>
-                </a:solidFill>
-                <a:latin typeface="+mj-lt"/>
-              </a:rPr>
-              <a:t>”</a:t>
-            </a:r>
-            <a:r>
-              <a:rPr lang="ru-RU" sz="2400" b="1" dirty="0">
-                <a:solidFill>
-                  <a:schemeClr val="bg1"/>
-                </a:solidFill>
-                <a:latin typeface="+mj-lt"/>
-              </a:rPr>
-              <a:t>ПЛАНИРОВЩИК ЗАДАЧ</a:t>
-            </a:r>
-            <a:r>
-              <a:rPr lang="en-US" sz="2400" b="1" dirty="0">
-                <a:solidFill>
-                  <a:schemeClr val="bg1"/>
-                </a:solidFill>
-                <a:latin typeface="+mj-lt"/>
-              </a:rPr>
-              <a:t>”</a:t>
-            </a:r>
-            <a:endParaRPr lang="ru-RU" sz="2400" b="1" dirty="0">
-              <a:solidFill>
-                <a:schemeClr val="bg1"/>
-              </a:solidFill>
-              <a:latin typeface="+mj-lt"/>
-            </a:endParaRPr>
-          </a:p>
-          <a:p>
-            <a:pPr algn="ctr"/>
-            <a:r>
-              <a:rPr lang="ru-RU" dirty="0">
-                <a:solidFill>
-                  <a:schemeClr val="bg1"/>
-                </a:solidFill>
-                <a:latin typeface="+mj-lt"/>
-              </a:rPr>
-              <a:t>по специальности 09.02.07 </a:t>
-            </a:r>
-            <a:r>
-              <a:rPr lang="en-US" dirty="0">
-                <a:solidFill>
-                  <a:schemeClr val="bg1"/>
-                </a:solidFill>
-                <a:latin typeface="+mj-lt"/>
-              </a:rPr>
-              <a:t>“</a:t>
-            </a:r>
-            <a:r>
-              <a:rPr lang="ru-RU" dirty="0">
-                <a:solidFill>
-                  <a:schemeClr val="bg1"/>
-                </a:solidFill>
-                <a:latin typeface="+mj-lt"/>
-              </a:rPr>
               <a:t>Информационные системы и программирование</a:t>
             </a:r>
           </a:p>
@@ -5751,8 +5751,8 @@
         </p:blipFill>
         <p:spPr>
           <a:xfrm>
-            <a:off x="236155" y="389394"/>
-            <a:ext cx="2032872" cy="622977"/>
+            <a:off x="236155" y="389395"/>
+            <a:ext cx="1654990" cy="507174"/>
           </a:xfrm>
           <a:prstGeom prst="rect">
             <a:avLst/>
@@ -6036,52 +6036,64 @@
           <a:lstStyle/>
           <a:p>
             <a:pPr marL="342900" indent="-342900">
-              <a:buFontTx/>
-              <a:buChar char="-"/>
+              <a:buClr>
+                <a:schemeClr val="accent2"/>
+              </a:buClr>
+              <a:buFont typeface="Wingdings" pitchFamily="2" charset="2"/>
+              <a:buChar char="§"/>
             </a:pPr>
             <a:r>
-              <a:rPr lang="ru-RU" sz="2800" dirty="0"/>
+              <a:rPr lang="ru-RU" dirty="0"/>
               <a:t>Всеобщее использование мобильных телефонов</a:t>
             </a:r>
           </a:p>
           <a:p>
             <a:pPr marL="342900" indent="-342900">
-              <a:buFontTx/>
-              <a:buChar char="-"/>
+              <a:buClr>
+                <a:schemeClr val="accent2"/>
+              </a:buClr>
+              <a:buFont typeface="Wingdings" pitchFamily="2" charset="2"/>
+              <a:buChar char="§"/>
             </a:pPr>
             <a:r>
-              <a:rPr lang="ru-RU" sz="2800" dirty="0"/>
+              <a:rPr lang="ru-RU" dirty="0"/>
               <a:t>Малое или не существующее приватное поле</a:t>
             </a:r>
           </a:p>
           <a:p>
             <a:pPr marL="342900" indent="-342900">
-              <a:buFontTx/>
-              <a:buChar char="-"/>
+              <a:buClr>
+                <a:schemeClr val="accent2"/>
+              </a:buClr>
+              <a:buFont typeface="Wingdings" pitchFamily="2" charset="2"/>
+              <a:buChar char="§"/>
             </a:pPr>
             <a:r>
-              <a:rPr lang="ru-RU" sz="2800" dirty="0"/>
+              <a:rPr lang="ru-RU" dirty="0"/>
               <a:t>Обилие рекламы и коммерциализации</a:t>
             </a:r>
             <a:r>
-              <a:rPr lang="en-US" sz="2800" dirty="0"/>
+              <a:rPr lang="en-US" dirty="0"/>
               <a:t>, </a:t>
             </a:r>
             <a:r>
-              <a:rPr lang="ru-RU" sz="2800" dirty="0"/>
+              <a:rPr lang="ru-RU" dirty="0"/>
               <a:t>зависимость от интернета в других проектах</a:t>
             </a:r>
           </a:p>
           <a:p>
             <a:pPr marL="342900" indent="-342900">
-              <a:buFontTx/>
-              <a:buChar char="-"/>
+              <a:buClr>
+                <a:schemeClr val="accent2"/>
+              </a:buClr>
+              <a:buFont typeface="Wingdings" pitchFamily="2" charset="2"/>
+              <a:buChar char="§"/>
             </a:pPr>
             <a:r>
-              <a:rPr lang="ru-RU" sz="2800" dirty="0"/>
+              <a:rPr lang="ru-RU" dirty="0"/>
               <a:t>Спрос населения на структуризацию своей жизни</a:t>
             </a:r>
-            <a:endParaRPr lang="en-US" sz="2800" dirty="0"/>
+            <a:endParaRPr lang="en-US" dirty="0"/>
           </a:p>
         </p:txBody>
       </p:sp>
@@ -6205,8 +6217,11 @@
           </a:p>
           <a:p>
             <a:pPr marL="342900" indent="-342900">
-              <a:buFontTx/>
-              <a:buChar char="-"/>
+              <a:buClr>
+                <a:schemeClr val="accent2"/>
+              </a:buClr>
+              <a:buFont typeface="Wingdings" pitchFamily="2" charset="2"/>
+              <a:buChar char="§"/>
             </a:pPr>
             <a:r>
               <a:rPr lang="ru-RU" dirty="0"/>
@@ -6215,8 +6230,11 @@
           </a:p>
           <a:p>
             <a:pPr marL="342900" indent="-342900">
-              <a:buFontTx/>
-              <a:buChar char="-"/>
+              <a:buClr>
+                <a:schemeClr val="accent2"/>
+              </a:buClr>
+              <a:buFont typeface="Wingdings" pitchFamily="2" charset="2"/>
+              <a:buChar char="§"/>
             </a:pPr>
             <a:r>
               <a:rPr lang="ru-RU" dirty="0"/>
@@ -6225,8 +6243,11 @@
           </a:p>
           <a:p>
             <a:pPr marL="342900" indent="-342900">
-              <a:buFontTx/>
-              <a:buChar char="-"/>
+              <a:buClr>
+                <a:schemeClr val="accent2"/>
+              </a:buClr>
+              <a:buFont typeface="Wingdings" pitchFamily="2" charset="2"/>
+              <a:buChar char="§"/>
             </a:pPr>
             <a:r>
               <a:rPr lang="ru-RU" dirty="0"/>
@@ -6235,8 +6256,11 @@
           </a:p>
           <a:p>
             <a:pPr marL="342900" indent="-342900">
-              <a:buFontTx/>
-              <a:buChar char="-"/>
+              <a:buClr>
+                <a:schemeClr val="accent2"/>
+              </a:buClr>
+              <a:buFont typeface="Wingdings" pitchFamily="2" charset="2"/>
+              <a:buChar char="§"/>
             </a:pPr>
             <a:r>
               <a:rPr lang="ru-RU" dirty="0"/>
@@ -6245,8 +6269,11 @@
           </a:p>
           <a:p>
             <a:pPr marL="342900" indent="-342900">
-              <a:buFontTx/>
-              <a:buChar char="-"/>
+              <a:buClr>
+                <a:schemeClr val="accent2"/>
+              </a:buClr>
+              <a:buFont typeface="Wingdings" pitchFamily="2" charset="2"/>
+              <a:buChar char="§"/>
             </a:pPr>
             <a:r>
               <a:rPr lang="ru-RU" dirty="0"/>
@@ -6291,6 +6318,207 @@
           <p:cNvPr id="2" name="Title 1">
             <a:extLst>
               <a:ext uri="{FF2B5EF4-FFF2-40B4-BE49-F238E27FC236}">
+                <a16:creationId xmlns:a16="http://schemas.microsoft.com/office/drawing/2014/main" id="{7DD9AEFC-9717-EF5C-965C-B684F183DA91}"/>
+              </a:ext>
+            </a:extLst>
+          </p:cNvPr>
+          <p:cNvSpPr>
+            <a:spLocks noGrp="1"/>
+          </p:cNvSpPr>
+          <p:nvPr>
+            <p:ph type="title"/>
+          </p:nvPr>
+        </p:nvSpPr>
+        <p:spPr/>
+        <p:txBody>
+          <a:bodyPr/>
+          <a:lstStyle/>
+          <a:p>
+            <a:r>
+              <a:rPr lang="ru-RU" dirty="0"/>
+              <a:t>Использованные технологии</a:t>
+            </a:r>
+            <a:endParaRPr lang="en-US" dirty="0"/>
+          </a:p>
+        </p:txBody>
+      </p:sp>
+      <p:pic>
+        <p:nvPicPr>
+          <p:cNvPr id="5" name="Picture 4" descr="A black and white logo&#10;&#10;Description automatically generated">
+            <a:extLst>
+              <a:ext uri="{FF2B5EF4-FFF2-40B4-BE49-F238E27FC236}">
+                <a16:creationId xmlns:a16="http://schemas.microsoft.com/office/drawing/2014/main" id="{9D6A3BD3-659A-2473-E06F-C65CAE9C3C07}"/>
+              </a:ext>
+            </a:extLst>
+          </p:cNvPr>
+          <p:cNvPicPr>
+            <a:picLocks noChangeAspect="1"/>
+          </p:cNvPicPr>
+          <p:nvPr/>
+        </p:nvPicPr>
+        <p:blipFill>
+          <a:blip r:embed="rId2">
+            <a:extLst>
+              <a:ext uri="{837473B0-CC2E-450A-ABE3-18F120FF3D39}">
+                <a1611:picAttrSrcUrl xmlns:a1611="http://schemas.microsoft.com/office/drawing/2016/11/main" r:id="rId3"/>
+              </a:ext>
+            </a:extLst>
+          </a:blip>
+          <a:stretch>
+            <a:fillRect/>
+          </a:stretch>
+        </p:blipFill>
+        <p:spPr>
+          <a:xfrm>
+            <a:off x="550862" y="1635473"/>
+            <a:ext cx="4709206" cy="1055386"/>
+          </a:xfrm>
+          <a:prstGeom prst="rect">
+            <a:avLst/>
+          </a:prstGeom>
+        </p:spPr>
+      </p:pic>
+      <p:pic>
+        <p:nvPicPr>
+          <p:cNvPr id="10" name="Picture 9" descr="A logo with a hexagon&#10;&#10;Description automatically generated">
+            <a:extLst>
+              <a:ext uri="{FF2B5EF4-FFF2-40B4-BE49-F238E27FC236}">
+                <a16:creationId xmlns:a16="http://schemas.microsoft.com/office/drawing/2014/main" id="{92A82649-FDB5-10C4-5638-19AB40F0D871}"/>
+              </a:ext>
+            </a:extLst>
+          </p:cNvPr>
+          <p:cNvPicPr>
+            <a:picLocks noChangeAspect="1"/>
+          </p:cNvPicPr>
+          <p:nvPr/>
+        </p:nvPicPr>
+        <p:blipFill rotWithShape="1">
+          <a:blip r:embed="rId4">
+            <a:extLst>
+              <a:ext uri="{837473B0-CC2E-450A-ABE3-18F120FF3D39}">
+                <a1611:picAttrSrcUrl xmlns:a1611="http://schemas.microsoft.com/office/drawing/2016/11/main" r:id="rId5"/>
+              </a:ext>
+            </a:extLst>
+          </a:blip>
+          <a:srcRect l="23902" r="22239"/>
+          <a:stretch/>
+        </p:blipFill>
+        <p:spPr>
+          <a:xfrm>
+            <a:off x="550863" y="3265576"/>
+            <a:ext cx="4709205" cy="2690357"/>
+          </a:xfrm>
+          <a:prstGeom prst="rect">
+            <a:avLst/>
+          </a:prstGeom>
+        </p:spPr>
+      </p:pic>
+      <p:pic>
+        <p:nvPicPr>
+          <p:cNvPr id="12" name="Picture 11" descr="A blue sign with white letters&#10;&#10;Description automatically generated">
+            <a:extLst>
+              <a:ext uri="{FF2B5EF4-FFF2-40B4-BE49-F238E27FC236}">
+                <a16:creationId xmlns:a16="http://schemas.microsoft.com/office/drawing/2014/main" id="{820B1C24-294A-D5A7-3D17-E8252BFECACF}"/>
+              </a:ext>
+            </a:extLst>
+          </p:cNvPr>
+          <p:cNvPicPr>
+            <a:picLocks noChangeAspect="1"/>
+          </p:cNvPicPr>
+          <p:nvPr/>
+        </p:nvPicPr>
+        <p:blipFill>
+          <a:blip r:embed="rId6">
+            <a:extLst>
+              <a:ext uri="{837473B0-CC2E-450A-ABE3-18F120FF3D39}">
+                <a1611:picAttrSrcUrl xmlns:a1611="http://schemas.microsoft.com/office/drawing/2016/11/main" r:id="rId7"/>
+              </a:ext>
+            </a:extLst>
+          </a:blip>
+          <a:stretch>
+            <a:fillRect/>
+          </a:stretch>
+        </p:blipFill>
+        <p:spPr>
+          <a:xfrm>
+            <a:off x="6080326" y="3265576"/>
+            <a:ext cx="4920824" cy="2690357"/>
+          </a:xfrm>
+          <a:prstGeom prst="rect">
+            <a:avLst/>
+          </a:prstGeom>
+        </p:spPr>
+      </p:pic>
+      <p:pic>
+        <p:nvPicPr>
+          <p:cNvPr id="14" name="Picture 13" descr="A logo for a computer company&#10;&#10;Description automatically generated">
+            <a:extLst>
+              <a:ext uri="{FF2B5EF4-FFF2-40B4-BE49-F238E27FC236}">
+                <a16:creationId xmlns:a16="http://schemas.microsoft.com/office/drawing/2014/main" id="{AB609C91-0F8C-662E-E47D-E8D0D6BE5826}"/>
+              </a:ext>
+            </a:extLst>
+          </p:cNvPr>
+          <p:cNvPicPr>
+            <a:picLocks noChangeAspect="1"/>
+          </p:cNvPicPr>
+          <p:nvPr/>
+        </p:nvPicPr>
+        <p:blipFill rotWithShape="1">
+          <a:blip r:embed="rId8">
+            <a:extLst>
+              <a:ext uri="{837473B0-CC2E-450A-ABE3-18F120FF3D39}">
+                <a1611:picAttrSrcUrl xmlns:a1611="http://schemas.microsoft.com/office/drawing/2016/11/main" r:id="rId9"/>
+              </a:ext>
+            </a:extLst>
+          </a:blip>
+          <a:srcRect t="17880" b="23473"/>
+          <a:stretch/>
+        </p:blipFill>
+        <p:spPr>
+          <a:xfrm>
+            <a:off x="6059830" y="1348116"/>
+            <a:ext cx="4941320" cy="1630101"/>
+          </a:xfrm>
+          <a:prstGeom prst="rect">
+            <a:avLst/>
+          </a:prstGeom>
+        </p:spPr>
+      </p:pic>
+    </p:spTree>
+    <p:extLst>
+      <p:ext uri="{BB962C8B-B14F-4D97-AF65-F5344CB8AC3E}">
+        <p14:creationId xmlns:p14="http://schemas.microsoft.com/office/powerpoint/2010/main" val="1195505745"/>
+      </p:ext>
+    </p:extLst>
+  </p:cSld>
+  <p:clrMapOvr>
+    <a:masterClrMapping/>
+  </p:clrMapOvr>
+</p:sld>
+</file>
+
+<file path=ppt/slides/slide5.xml><?xml version="1.0" encoding="utf-8"?>
+<p:sld xmlns:a="http://schemas.openxmlformats.org/drawingml/2006/main" xmlns:r="http://schemas.openxmlformats.org/officeDocument/2006/relationships" xmlns:p="http://schemas.openxmlformats.org/presentationml/2006/main">
+  <p:cSld>
+    <p:spTree>
+      <p:nvGrpSpPr>
+        <p:cNvPr id="1" name=""/>
+        <p:cNvGrpSpPr/>
+        <p:nvPr/>
+      </p:nvGrpSpPr>
+      <p:grpSpPr>
+        <a:xfrm>
+          <a:off x="0" y="0"/>
+          <a:ext cx="0" cy="0"/>
+          <a:chOff x="0" y="0"/>
+          <a:chExt cx="0" cy="0"/>
+        </a:xfrm>
+      </p:grpSpPr>
+      <p:sp>
+        <p:nvSpPr>
+          <p:cNvPr id="2" name="Title 1">
+            <a:extLst>
+              <a:ext uri="{FF2B5EF4-FFF2-40B4-BE49-F238E27FC236}">
                 <a16:creationId xmlns:a16="http://schemas.microsoft.com/office/drawing/2014/main" id="{566AC097-E8EB-CD6B-E6C3-0054BBF6EA0C}"/>
               </a:ext>
             </a:extLst>
@@ -6489,207 +6717,6 @@
 </p:sld>
 </file>
 
-<file path=ppt/slides/slide5.xml><?xml version="1.0" encoding="utf-8"?>
-<p:sld xmlns:a="http://schemas.openxmlformats.org/drawingml/2006/main" xmlns:r="http://schemas.openxmlformats.org/officeDocument/2006/relationships" xmlns:p="http://schemas.openxmlformats.org/presentationml/2006/main">
-  <p:cSld>
-    <p:spTree>
-      <p:nvGrpSpPr>
-        <p:cNvPr id="1" name=""/>
-        <p:cNvGrpSpPr/>
-        <p:nvPr/>
-      </p:nvGrpSpPr>
-      <p:grpSpPr>
-        <a:xfrm>
-          <a:off x="0" y="0"/>
-          <a:ext cx="0" cy="0"/>
-          <a:chOff x="0" y="0"/>
-          <a:chExt cx="0" cy="0"/>
-        </a:xfrm>
-      </p:grpSpPr>
-      <p:sp>
-        <p:nvSpPr>
-          <p:cNvPr id="2" name="Title 1">
-            <a:extLst>
-              <a:ext uri="{FF2B5EF4-FFF2-40B4-BE49-F238E27FC236}">
-                <a16:creationId xmlns:a16="http://schemas.microsoft.com/office/drawing/2014/main" id="{7DD9AEFC-9717-EF5C-965C-B684F183DA91}"/>
-              </a:ext>
-            </a:extLst>
-          </p:cNvPr>
-          <p:cNvSpPr>
-            <a:spLocks noGrp="1"/>
-          </p:cNvSpPr>
-          <p:nvPr>
-            <p:ph type="title"/>
-          </p:nvPr>
-        </p:nvSpPr>
-        <p:spPr/>
-        <p:txBody>
-          <a:bodyPr/>
-          <a:lstStyle/>
-          <a:p>
-            <a:r>
-              <a:rPr lang="ru-RU" dirty="0"/>
-              <a:t>Использованные технологии</a:t>
-            </a:r>
-            <a:endParaRPr lang="en-US" dirty="0"/>
-          </a:p>
-        </p:txBody>
-      </p:sp>
-      <p:pic>
-        <p:nvPicPr>
-          <p:cNvPr id="5" name="Picture 4" descr="A black and white logo&#10;&#10;Description automatically generated">
-            <a:extLst>
-              <a:ext uri="{FF2B5EF4-FFF2-40B4-BE49-F238E27FC236}">
-                <a16:creationId xmlns:a16="http://schemas.microsoft.com/office/drawing/2014/main" id="{9D6A3BD3-659A-2473-E06F-C65CAE9C3C07}"/>
-              </a:ext>
-            </a:extLst>
-          </p:cNvPr>
-          <p:cNvPicPr>
-            <a:picLocks noChangeAspect="1"/>
-          </p:cNvPicPr>
-          <p:nvPr/>
-        </p:nvPicPr>
-        <p:blipFill>
-          <a:blip r:embed="rId2">
-            <a:extLst>
-              <a:ext uri="{837473B0-CC2E-450A-ABE3-18F120FF3D39}">
-                <a1611:picAttrSrcUrl xmlns:a1611="http://schemas.microsoft.com/office/drawing/2016/11/main" r:id="rId3"/>
-              </a:ext>
-            </a:extLst>
-          </a:blip>
-          <a:stretch>
-            <a:fillRect/>
-          </a:stretch>
-        </p:blipFill>
-        <p:spPr>
-          <a:xfrm>
-            <a:off x="550862" y="1635473"/>
-            <a:ext cx="4709206" cy="1055386"/>
-          </a:xfrm>
-          <a:prstGeom prst="rect">
-            <a:avLst/>
-          </a:prstGeom>
-        </p:spPr>
-      </p:pic>
-      <p:pic>
-        <p:nvPicPr>
-          <p:cNvPr id="10" name="Picture 9" descr="A logo with a hexagon&#10;&#10;Description automatically generated">
-            <a:extLst>
-              <a:ext uri="{FF2B5EF4-FFF2-40B4-BE49-F238E27FC236}">
-                <a16:creationId xmlns:a16="http://schemas.microsoft.com/office/drawing/2014/main" id="{92A82649-FDB5-10C4-5638-19AB40F0D871}"/>
-              </a:ext>
-            </a:extLst>
-          </p:cNvPr>
-          <p:cNvPicPr>
-            <a:picLocks noChangeAspect="1"/>
-          </p:cNvPicPr>
-          <p:nvPr/>
-        </p:nvPicPr>
-        <p:blipFill rotWithShape="1">
-          <a:blip r:embed="rId4">
-            <a:extLst>
-              <a:ext uri="{837473B0-CC2E-450A-ABE3-18F120FF3D39}">
-                <a1611:picAttrSrcUrl xmlns:a1611="http://schemas.microsoft.com/office/drawing/2016/11/main" r:id="rId5"/>
-              </a:ext>
-            </a:extLst>
-          </a:blip>
-          <a:srcRect l="23902" r="22239"/>
-          <a:stretch/>
-        </p:blipFill>
-        <p:spPr>
-          <a:xfrm>
-            <a:off x="550863" y="3265576"/>
-            <a:ext cx="4709205" cy="2690357"/>
-          </a:xfrm>
-          <a:prstGeom prst="rect">
-            <a:avLst/>
-          </a:prstGeom>
-        </p:spPr>
-      </p:pic>
-      <p:pic>
-        <p:nvPicPr>
-          <p:cNvPr id="12" name="Picture 11" descr="A blue sign with white letters&#10;&#10;Description automatically generated">
-            <a:extLst>
-              <a:ext uri="{FF2B5EF4-FFF2-40B4-BE49-F238E27FC236}">
-                <a16:creationId xmlns:a16="http://schemas.microsoft.com/office/drawing/2014/main" id="{820B1C24-294A-D5A7-3D17-E8252BFECACF}"/>
-              </a:ext>
-            </a:extLst>
-          </p:cNvPr>
-          <p:cNvPicPr>
-            <a:picLocks noChangeAspect="1"/>
-          </p:cNvPicPr>
-          <p:nvPr/>
-        </p:nvPicPr>
-        <p:blipFill>
-          <a:blip r:embed="rId6">
-            <a:extLst>
-              <a:ext uri="{837473B0-CC2E-450A-ABE3-18F120FF3D39}">
-                <a1611:picAttrSrcUrl xmlns:a1611="http://schemas.microsoft.com/office/drawing/2016/11/main" r:id="rId7"/>
-              </a:ext>
-            </a:extLst>
-          </a:blip>
-          <a:stretch>
-            <a:fillRect/>
-          </a:stretch>
-        </p:blipFill>
-        <p:spPr>
-          <a:xfrm>
-            <a:off x="6080326" y="3265576"/>
-            <a:ext cx="4920824" cy="2690357"/>
-          </a:xfrm>
-          <a:prstGeom prst="rect">
-            <a:avLst/>
-          </a:prstGeom>
-        </p:spPr>
-      </p:pic>
-      <p:pic>
-        <p:nvPicPr>
-          <p:cNvPr id="14" name="Picture 13" descr="A logo for a computer company&#10;&#10;Description automatically generated">
-            <a:extLst>
-              <a:ext uri="{FF2B5EF4-FFF2-40B4-BE49-F238E27FC236}">
-                <a16:creationId xmlns:a16="http://schemas.microsoft.com/office/drawing/2014/main" id="{AB609C91-0F8C-662E-E47D-E8D0D6BE5826}"/>
-              </a:ext>
-            </a:extLst>
-          </p:cNvPr>
-          <p:cNvPicPr>
-            <a:picLocks noChangeAspect="1"/>
-          </p:cNvPicPr>
-          <p:nvPr/>
-        </p:nvPicPr>
-        <p:blipFill rotWithShape="1">
-          <a:blip r:embed="rId8">
-            <a:extLst>
-              <a:ext uri="{837473B0-CC2E-450A-ABE3-18F120FF3D39}">
-                <a1611:picAttrSrcUrl xmlns:a1611="http://schemas.microsoft.com/office/drawing/2016/11/main" r:id="rId9"/>
-              </a:ext>
-            </a:extLst>
-          </a:blip>
-          <a:srcRect t="17880" b="23473"/>
-          <a:stretch/>
-        </p:blipFill>
-        <p:spPr>
-          <a:xfrm>
-            <a:off x="6059830" y="1348116"/>
-            <a:ext cx="4941320" cy="1630101"/>
-          </a:xfrm>
-          <a:prstGeom prst="rect">
-            <a:avLst/>
-          </a:prstGeom>
-        </p:spPr>
-      </p:pic>
-    </p:spTree>
-    <p:extLst>
-      <p:ext uri="{BB962C8B-B14F-4D97-AF65-F5344CB8AC3E}">
-        <p14:creationId xmlns:p14="http://schemas.microsoft.com/office/powerpoint/2010/main" val="1195505745"/>
-      </p:ext>
-    </p:extLst>
-  </p:cSld>
-  <p:clrMapOvr>
-    <a:masterClrMapping/>
-  </p:clrMapOvr>
-</p:sld>
-</file>
-
 <file path=ppt/slides/slide6.xml><?xml version="1.0" encoding="utf-8"?>
 <p:sld xmlns:a="http://schemas.openxmlformats.org/drawingml/2006/main" xmlns:r="http://schemas.openxmlformats.org/officeDocument/2006/relationships" xmlns:p="http://schemas.openxmlformats.org/presentationml/2006/main">
   <p:cSld>
@@ -6712,7 +6739,7 @@
           <p:cNvPr id="2" name="Title 1">
             <a:extLst>
               <a:ext uri="{FF2B5EF4-FFF2-40B4-BE49-F238E27FC236}">
-                <a16:creationId xmlns:a16="http://schemas.microsoft.com/office/drawing/2014/main" id="{29F99B51-5907-AE35-4106-A7D75822D21B}"/>
+                <a16:creationId xmlns:a16="http://schemas.microsoft.com/office/drawing/2014/main" id="{916C38B8-EA25-EDC7-45BB-CA3699978787}"/>
               </a:ext>
             </a:extLst>
           </p:cNvPr>
@@ -6730,21 +6757,18 @@
           <a:p>
             <a:r>
               <a:rPr lang="ru-RU" dirty="0"/>
-              <a:t>Структура мобильного приложения (</a:t>
-            </a:r>
-            <a:r>
-              <a:rPr lang="en-US" dirty="0"/>
-              <a:t>User Flow)</a:t>
-            </a:r>
+              <a:t>Схема базы данных</a:t>
+            </a:r>
+            <a:endParaRPr lang="en-US" dirty="0"/>
           </a:p>
         </p:txBody>
       </p:sp>
       <p:pic>
         <p:nvPicPr>
-          <p:cNvPr id="4" name="Content Placeholder 3">
-            <a:extLst>
-              <a:ext uri="{FF2B5EF4-FFF2-40B4-BE49-F238E27FC236}">
-                <a16:creationId xmlns:a16="http://schemas.microsoft.com/office/drawing/2014/main" id="{34331A02-0413-7D1A-6978-9A33E024FFC7}"/>
+          <p:cNvPr id="7" name="Content Placeholder 6" descr="A screenshot of a computer&#10;&#10;Description automatically generated">
+            <a:extLst>
+              <a:ext uri="{FF2B5EF4-FFF2-40B4-BE49-F238E27FC236}">
+                <a16:creationId xmlns:a16="http://schemas.microsoft.com/office/drawing/2014/main" id="{BF2B4A07-2816-BF22-F73F-1390E0DC939F}"/>
               </a:ext>
             </a:extLst>
           </p:cNvPr>
@@ -6763,18 +6787,15 @@
         </p:blipFill>
         <p:spPr>
           <a:xfrm>
-            <a:off x="550863" y="1241685"/>
-            <a:ext cx="5976898" cy="5040312"/>
+            <a:off x="386268" y="2224013"/>
+            <a:ext cx="11419464" cy="2812599"/>
           </a:xfrm>
-          <a:prstGeom prst="rect">
-            <a:avLst/>
-          </a:prstGeom>
         </p:spPr>
       </p:pic>
     </p:spTree>
     <p:extLst>
       <p:ext uri="{BB962C8B-B14F-4D97-AF65-F5344CB8AC3E}">
-        <p14:creationId xmlns:p14="http://schemas.microsoft.com/office/powerpoint/2010/main" val="4170051292"/>
+        <p14:creationId xmlns:p14="http://schemas.microsoft.com/office/powerpoint/2010/main" val="1263968725"/>
       </p:ext>
     </p:extLst>
   </p:cSld>
@@ -6806,7 +6827,7 @@
           <p:cNvPr id="2" name="Title 1">
             <a:extLst>
               <a:ext uri="{FF2B5EF4-FFF2-40B4-BE49-F238E27FC236}">
-                <a16:creationId xmlns:a16="http://schemas.microsoft.com/office/drawing/2014/main" id="{14BEF671-E488-57DF-1629-568F9F7C34CE}"/>
+                <a16:creationId xmlns:a16="http://schemas.microsoft.com/office/drawing/2014/main" id="{29F99B51-5907-AE35-4106-A7D75822D21B}"/>
               </a:ext>
             </a:extLst>
           </p:cNvPr>
@@ -6824,7 +6845,7 @@
           <a:p>
             <a:r>
               <a:rPr lang="ru-RU" dirty="0"/>
-              <a:t>Скриншоты интерфейса</a:t>
+              <a:t>Структура мобильного приложения</a:t>
             </a:r>
             <a:endParaRPr lang="en-US" dirty="0"/>
           </a:p>
@@ -6832,10 +6853,10 @@
       </p:sp>
       <p:pic>
         <p:nvPicPr>
-          <p:cNvPr id="5" name="Content Placeholder 4" descr="A screenshot of a phone&#10;&#10;Description automatically generated">
-            <a:extLst>
-              <a:ext uri="{FF2B5EF4-FFF2-40B4-BE49-F238E27FC236}">
-                <a16:creationId xmlns:a16="http://schemas.microsoft.com/office/drawing/2014/main" id="{45C72491-AFD9-C462-F0FC-78DD939E5A99}"/>
+          <p:cNvPr id="4" name="Content Placeholder 3">
+            <a:extLst>
+              <a:ext uri="{FF2B5EF4-FFF2-40B4-BE49-F238E27FC236}">
+                <a16:creationId xmlns:a16="http://schemas.microsoft.com/office/drawing/2014/main" id="{34331A02-0413-7D1A-6978-9A33E024FFC7}"/>
               </a:ext>
             </a:extLst>
           </p:cNvPr>
@@ -6854,155 +6875,8 @@
         </p:blipFill>
         <p:spPr>
           <a:xfrm>
-            <a:off x="386061" y="1445347"/>
-            <a:ext cx="1895400" cy="4212000"/>
-          </a:xfrm>
-        </p:spPr>
-      </p:pic>
-      <p:pic>
-        <p:nvPicPr>
-          <p:cNvPr id="7" name="Picture 6" descr="A screenshot of a login form&#10;&#10;Description automatically generated">
-            <a:extLst>
-              <a:ext uri="{FF2B5EF4-FFF2-40B4-BE49-F238E27FC236}">
-                <a16:creationId xmlns:a16="http://schemas.microsoft.com/office/drawing/2014/main" id="{BB8CCB0D-7AAB-E1D2-4AF7-40F95627EFA9}"/>
-              </a:ext>
-            </a:extLst>
-          </p:cNvPr>
-          <p:cNvPicPr>
-            <a:picLocks noChangeAspect="1"/>
-          </p:cNvPicPr>
-          <p:nvPr/>
-        </p:nvPicPr>
-        <p:blipFill>
-          <a:blip r:embed="rId3"/>
-          <a:stretch>
-            <a:fillRect/>
-          </a:stretch>
-        </p:blipFill>
-        <p:spPr>
-          <a:xfrm>
-            <a:off x="2299557" y="1445347"/>
-            <a:ext cx="1895400" cy="4212000"/>
-          </a:xfrm>
-          <a:prstGeom prst="rect">
-            <a:avLst/>
-          </a:prstGeom>
-        </p:spPr>
-      </p:pic>
-      <p:pic>
-        <p:nvPicPr>
-          <p:cNvPr id="9" name="Picture 8" descr="A screenshot of a phone&#10;&#10;Description automatically generated">
-            <a:extLst>
-              <a:ext uri="{FF2B5EF4-FFF2-40B4-BE49-F238E27FC236}">
-                <a16:creationId xmlns:a16="http://schemas.microsoft.com/office/drawing/2014/main" id="{16411315-BC5C-D223-CA69-C424A39B5BA5}"/>
-              </a:ext>
-            </a:extLst>
-          </p:cNvPr>
-          <p:cNvPicPr>
-            <a:picLocks noChangeAspect="1"/>
-          </p:cNvPicPr>
-          <p:nvPr/>
-        </p:nvPicPr>
-        <p:blipFill>
-          <a:blip r:embed="rId4"/>
-          <a:stretch>
-            <a:fillRect/>
-          </a:stretch>
-        </p:blipFill>
-        <p:spPr>
-          <a:xfrm>
-            <a:off x="4213053" y="1445347"/>
-            <a:ext cx="1895400" cy="4212000"/>
-          </a:xfrm>
-          <a:prstGeom prst="rect">
-            <a:avLst/>
-          </a:prstGeom>
-        </p:spPr>
-      </p:pic>
-      <p:pic>
-        <p:nvPicPr>
-          <p:cNvPr id="11" name="Picture 10" descr="A screenshot of a calendar&#10;&#10;Description automatically generated">
-            <a:extLst>
-              <a:ext uri="{FF2B5EF4-FFF2-40B4-BE49-F238E27FC236}">
-                <a16:creationId xmlns:a16="http://schemas.microsoft.com/office/drawing/2014/main" id="{6B78EF81-7852-6BE8-9D22-9C9DEBA31BE1}"/>
-              </a:ext>
-            </a:extLst>
-          </p:cNvPr>
-          <p:cNvPicPr>
-            <a:picLocks noChangeAspect="1"/>
-          </p:cNvPicPr>
-          <p:nvPr/>
-        </p:nvPicPr>
-        <p:blipFill>
-          <a:blip r:embed="rId5"/>
-          <a:stretch>
-            <a:fillRect/>
-          </a:stretch>
-        </p:blipFill>
-        <p:spPr>
-          <a:xfrm>
-            <a:off x="6126549" y="1445347"/>
-            <a:ext cx="1895400" cy="4212000"/>
-          </a:xfrm>
-          <a:prstGeom prst="rect">
-            <a:avLst/>
-          </a:prstGeom>
-        </p:spPr>
-      </p:pic>
-      <p:pic>
-        <p:nvPicPr>
-          <p:cNvPr id="13" name="Picture 12" descr="A screenshot of a login screen&#10;&#10;Description automatically generated">
-            <a:extLst>
-              <a:ext uri="{FF2B5EF4-FFF2-40B4-BE49-F238E27FC236}">
-                <a16:creationId xmlns:a16="http://schemas.microsoft.com/office/drawing/2014/main" id="{1FC7C609-02F6-D4F8-7411-6C004731D7DB}"/>
-              </a:ext>
-            </a:extLst>
-          </p:cNvPr>
-          <p:cNvPicPr>
-            <a:picLocks noChangeAspect="1"/>
-          </p:cNvPicPr>
-          <p:nvPr/>
-        </p:nvPicPr>
-        <p:blipFill>
-          <a:blip r:embed="rId6"/>
-          <a:stretch>
-            <a:fillRect/>
-          </a:stretch>
-        </p:blipFill>
-        <p:spPr>
-          <a:xfrm>
-            <a:off x="8040045" y="1445347"/>
-            <a:ext cx="1895400" cy="4212000"/>
-          </a:xfrm>
-          <a:prstGeom prst="rect">
-            <a:avLst/>
-          </a:prstGeom>
-        </p:spPr>
-      </p:pic>
-      <p:pic>
-        <p:nvPicPr>
-          <p:cNvPr id="15" name="Picture 14" descr="A screenshot of a phone&#10;&#10;Description automatically generated">
-            <a:extLst>
-              <a:ext uri="{FF2B5EF4-FFF2-40B4-BE49-F238E27FC236}">
-                <a16:creationId xmlns:a16="http://schemas.microsoft.com/office/drawing/2014/main" id="{3AE4E4F5-5C4C-6B1E-2458-C06422CBEC29}"/>
-              </a:ext>
-            </a:extLst>
-          </p:cNvPr>
-          <p:cNvPicPr>
-            <a:picLocks noChangeAspect="1"/>
-          </p:cNvPicPr>
-          <p:nvPr/>
-        </p:nvPicPr>
-        <p:blipFill>
-          <a:blip r:embed="rId7"/>
-          <a:stretch>
-            <a:fillRect/>
-          </a:stretch>
-        </p:blipFill>
-        <p:spPr>
-          <a:xfrm>
-            <a:off x="9953541" y="1445347"/>
-            <a:ext cx="1895400" cy="4212000"/>
+            <a:off x="2745834" y="1048490"/>
+            <a:ext cx="6700332" cy="5650383"/>
           </a:xfrm>
           <a:prstGeom prst="rect">
             <a:avLst/>
@@ -7012,7 +6886,7 @@
     </p:spTree>
     <p:extLst>
       <p:ext uri="{BB962C8B-B14F-4D97-AF65-F5344CB8AC3E}">
-        <p14:creationId xmlns:p14="http://schemas.microsoft.com/office/powerpoint/2010/main" val="2807024487"/>
+        <p14:creationId xmlns:p14="http://schemas.microsoft.com/office/powerpoint/2010/main" val="4170051292"/>
       </p:ext>
     </p:extLst>
   </p:cSld>
@@ -7044,7 +6918,7 @@
           <p:cNvPr id="2" name="Title 1">
             <a:extLst>
               <a:ext uri="{FF2B5EF4-FFF2-40B4-BE49-F238E27FC236}">
-                <a16:creationId xmlns:a16="http://schemas.microsoft.com/office/drawing/2014/main" id="{916C38B8-EA25-EDC7-45BB-CA3699978787}"/>
+                <a16:creationId xmlns:a16="http://schemas.microsoft.com/office/drawing/2014/main" id="{14BEF671-E488-57DF-1629-568F9F7C34CE}"/>
               </a:ext>
             </a:extLst>
           </p:cNvPr>
@@ -7062,7 +6936,7 @@
           <a:p>
             <a:r>
               <a:rPr lang="ru-RU" dirty="0"/>
-              <a:t>Схема базы данных</a:t>
+              <a:t>Интерфейс приложения</a:t>
             </a:r>
             <a:endParaRPr lang="en-US" dirty="0"/>
           </a:p>
@@ -7070,10 +6944,10 @@
       </p:sp>
       <p:pic>
         <p:nvPicPr>
-          <p:cNvPr id="5" name="Content Placeholder 4">
-            <a:extLst>
-              <a:ext uri="{FF2B5EF4-FFF2-40B4-BE49-F238E27FC236}">
-                <a16:creationId xmlns:a16="http://schemas.microsoft.com/office/drawing/2014/main" id="{02CACA67-FFA1-06CF-63A8-023D9F733008}"/>
+          <p:cNvPr id="5" name="Content Placeholder 4" descr="A screenshot of a phone&#10;&#10;Description automatically generated">
+            <a:extLst>
+              <a:ext uri="{FF2B5EF4-FFF2-40B4-BE49-F238E27FC236}">
+                <a16:creationId xmlns:a16="http://schemas.microsoft.com/office/drawing/2014/main" id="{45C72491-AFD9-C462-F0FC-78DD939E5A99}"/>
               </a:ext>
             </a:extLst>
           </p:cNvPr>
@@ -7092,15 +6966,165 @@
         </p:blipFill>
         <p:spPr>
           <a:xfrm>
-            <a:off x="647846" y="1086363"/>
-            <a:ext cx="3757088" cy="5771637"/>
+            <a:off x="386061" y="1445347"/>
+            <a:ext cx="1895400" cy="4212000"/>
           </a:xfrm>
+        </p:spPr>
+      </p:pic>
+      <p:pic>
+        <p:nvPicPr>
+          <p:cNvPr id="7" name="Picture 6" descr="A screenshot of a login form&#10;&#10;Description automatically generated">
+            <a:extLst>
+              <a:ext uri="{FF2B5EF4-FFF2-40B4-BE49-F238E27FC236}">
+                <a16:creationId xmlns:a16="http://schemas.microsoft.com/office/drawing/2014/main" id="{BB8CCB0D-7AAB-E1D2-4AF7-40F95627EFA9}"/>
+              </a:ext>
+            </a:extLst>
+          </p:cNvPr>
+          <p:cNvPicPr>
+            <a:picLocks noChangeAspect="1"/>
+          </p:cNvPicPr>
+          <p:nvPr/>
+        </p:nvPicPr>
+        <p:blipFill>
+          <a:blip r:embed="rId3"/>
+          <a:stretch>
+            <a:fillRect/>
+          </a:stretch>
+        </p:blipFill>
+        <p:spPr>
+          <a:xfrm>
+            <a:off x="2299557" y="1445347"/>
+            <a:ext cx="1895400" cy="4212000"/>
+          </a:xfrm>
+          <a:prstGeom prst="rect">
+            <a:avLst/>
+          </a:prstGeom>
+        </p:spPr>
+      </p:pic>
+      <p:pic>
+        <p:nvPicPr>
+          <p:cNvPr id="9" name="Picture 8" descr="A screenshot of a phone&#10;&#10;Description automatically generated">
+            <a:extLst>
+              <a:ext uri="{FF2B5EF4-FFF2-40B4-BE49-F238E27FC236}">
+                <a16:creationId xmlns:a16="http://schemas.microsoft.com/office/drawing/2014/main" id="{16411315-BC5C-D223-CA69-C424A39B5BA5}"/>
+              </a:ext>
+            </a:extLst>
+          </p:cNvPr>
+          <p:cNvPicPr>
+            <a:picLocks noChangeAspect="1"/>
+          </p:cNvPicPr>
+          <p:nvPr/>
+        </p:nvPicPr>
+        <p:blipFill>
+          <a:blip r:embed="rId4"/>
+          <a:stretch>
+            <a:fillRect/>
+          </a:stretch>
+        </p:blipFill>
+        <p:spPr>
+          <a:xfrm>
+            <a:off x="4213053" y="1445347"/>
+            <a:ext cx="1895400" cy="4212000"/>
+          </a:xfrm>
+          <a:prstGeom prst="rect">
+            <a:avLst/>
+          </a:prstGeom>
+        </p:spPr>
+      </p:pic>
+      <p:pic>
+        <p:nvPicPr>
+          <p:cNvPr id="11" name="Picture 10" descr="A screenshot of a calendar&#10;&#10;Description automatically generated">
+            <a:extLst>
+              <a:ext uri="{FF2B5EF4-FFF2-40B4-BE49-F238E27FC236}">
+                <a16:creationId xmlns:a16="http://schemas.microsoft.com/office/drawing/2014/main" id="{6B78EF81-7852-6BE8-9D22-9C9DEBA31BE1}"/>
+              </a:ext>
+            </a:extLst>
+          </p:cNvPr>
+          <p:cNvPicPr>
+            <a:picLocks noChangeAspect="1"/>
+          </p:cNvPicPr>
+          <p:nvPr/>
+        </p:nvPicPr>
+        <p:blipFill>
+          <a:blip r:embed="rId5"/>
+          <a:stretch>
+            <a:fillRect/>
+          </a:stretch>
+        </p:blipFill>
+        <p:spPr>
+          <a:xfrm>
+            <a:off x="6126549" y="1445347"/>
+            <a:ext cx="1895400" cy="4212000"/>
+          </a:xfrm>
+          <a:prstGeom prst="rect">
+            <a:avLst/>
+          </a:prstGeom>
+        </p:spPr>
+      </p:pic>
+      <p:pic>
+        <p:nvPicPr>
+          <p:cNvPr id="13" name="Picture 12" descr="A screenshot of a login screen&#10;&#10;Description automatically generated">
+            <a:extLst>
+              <a:ext uri="{FF2B5EF4-FFF2-40B4-BE49-F238E27FC236}">
+                <a16:creationId xmlns:a16="http://schemas.microsoft.com/office/drawing/2014/main" id="{1FC7C609-02F6-D4F8-7411-6C004731D7DB}"/>
+              </a:ext>
+            </a:extLst>
+          </p:cNvPr>
+          <p:cNvPicPr>
+            <a:picLocks noChangeAspect="1"/>
+          </p:cNvPicPr>
+          <p:nvPr/>
+        </p:nvPicPr>
+        <p:blipFill>
+          <a:blip r:embed="rId6"/>
+          <a:stretch>
+            <a:fillRect/>
+          </a:stretch>
+        </p:blipFill>
+        <p:spPr>
+          <a:xfrm>
+            <a:off x="8040045" y="1445347"/>
+            <a:ext cx="1895400" cy="4212000"/>
+          </a:xfrm>
+          <a:prstGeom prst="rect">
+            <a:avLst/>
+          </a:prstGeom>
+        </p:spPr>
+      </p:pic>
+      <p:pic>
+        <p:nvPicPr>
+          <p:cNvPr id="15" name="Picture 14" descr="A screenshot of a phone&#10;&#10;Description automatically generated">
+            <a:extLst>
+              <a:ext uri="{FF2B5EF4-FFF2-40B4-BE49-F238E27FC236}">
+                <a16:creationId xmlns:a16="http://schemas.microsoft.com/office/drawing/2014/main" id="{3AE4E4F5-5C4C-6B1E-2458-C06422CBEC29}"/>
+              </a:ext>
+            </a:extLst>
+          </p:cNvPr>
+          <p:cNvPicPr>
+            <a:picLocks noChangeAspect="1"/>
+          </p:cNvPicPr>
+          <p:nvPr/>
+        </p:nvPicPr>
+        <p:blipFill>
+          <a:blip r:embed="rId7"/>
+          <a:stretch>
+            <a:fillRect/>
+          </a:stretch>
+        </p:blipFill>
+        <p:spPr>
+          <a:xfrm>
+            <a:off x="9953541" y="1445347"/>
+            <a:ext cx="1895400" cy="4212000"/>
+          </a:xfrm>
+          <a:prstGeom prst="rect">
+            <a:avLst/>
+          </a:prstGeom>
         </p:spPr>
       </p:pic>
     </p:spTree>
     <p:extLst>
       <p:ext uri="{BB962C8B-B14F-4D97-AF65-F5344CB8AC3E}">
-        <p14:creationId xmlns:p14="http://schemas.microsoft.com/office/powerpoint/2010/main" val="1263968725"/>
+        <p14:creationId xmlns:p14="http://schemas.microsoft.com/office/powerpoint/2010/main" val="2807024487"/>
       </p:ext>
     </p:extLst>
   </p:cSld>
